--- a/Calendario2024/presentaciones/17_POO_Polimorfismo.pptx
+++ b/Calendario2024/presentaciones/17_POO_Polimorfismo.pptx
@@ -215,7 +215,7 @@
           <a:p>
             <a:fld id="{DDE721D5-655F-45D2-B717-3C4CD78C8568}" type="datetimeFigureOut">
               <a:rPr lang="es-MX" smtClean="0"/>
-              <a:t>07/03/2023</a:t>
+              <a:t>03/03/2024</a:t>
             </a:fld>
             <a:endParaRPr lang="es-MX" dirty="0"/>
           </a:p>
@@ -374,7 +374,7 @@
           <a:p>
             <a:fld id="{6BAB4312-99A1-4CE9-ACE7-4C62E9FD90EE}" type="slidenum">
               <a:rPr lang="es-MX" smtClean="0"/>
-              <a:t>‹Nº›</a:t>
+              <a:t>‹#›</a:t>
             </a:fld>
             <a:endParaRPr lang="es-MX" dirty="0"/>
           </a:p>
@@ -664,7 +664,7 @@
           <a:p>
             <a:fld id="{B3F3E716-CACC-4490-AD07-F24B6A68DE47}" type="datetimeFigureOut">
               <a:rPr lang="es-MX" smtClean="0"/>
-              <a:t>07/03/2023</a:t>
+              <a:t>03/03/2024</a:t>
             </a:fld>
             <a:endParaRPr lang="es-MX" dirty="0"/>
           </a:p>
@@ -706,7 +706,7 @@
           <a:p>
             <a:fld id="{52A58D3C-5A37-463D-B2C9-8DF65AE0B01C}" type="slidenum">
               <a:rPr lang="es-MX" smtClean="0"/>
-              <a:t>‹Nº›</a:t>
+              <a:t>‹#›</a:t>
             </a:fld>
             <a:endParaRPr lang="es-MX" dirty="0"/>
           </a:p>
@@ -834,7 +834,7 @@
           <a:p>
             <a:fld id="{B3F3E716-CACC-4490-AD07-F24B6A68DE47}" type="datetimeFigureOut">
               <a:rPr lang="es-MX" smtClean="0"/>
-              <a:t>07/03/2023</a:t>
+              <a:t>03/03/2024</a:t>
             </a:fld>
             <a:endParaRPr lang="es-MX" dirty="0"/>
           </a:p>
@@ -876,7 +876,7 @@
           <a:p>
             <a:fld id="{52A58D3C-5A37-463D-B2C9-8DF65AE0B01C}" type="slidenum">
               <a:rPr lang="es-MX" smtClean="0"/>
-              <a:t>‹Nº›</a:t>
+              <a:t>‹#›</a:t>
             </a:fld>
             <a:endParaRPr lang="es-MX" dirty="0"/>
           </a:p>
@@ -1014,7 +1014,7 @@
           <a:p>
             <a:fld id="{B3F3E716-CACC-4490-AD07-F24B6A68DE47}" type="datetimeFigureOut">
               <a:rPr lang="es-MX" smtClean="0"/>
-              <a:t>07/03/2023</a:t>
+              <a:t>03/03/2024</a:t>
             </a:fld>
             <a:endParaRPr lang="es-MX" dirty="0"/>
           </a:p>
@@ -1056,7 +1056,7 @@
           <a:p>
             <a:fld id="{52A58D3C-5A37-463D-B2C9-8DF65AE0B01C}" type="slidenum">
               <a:rPr lang="es-MX" smtClean="0"/>
-              <a:t>‹Nº›</a:t>
+              <a:t>‹#›</a:t>
             </a:fld>
             <a:endParaRPr lang="es-MX" dirty="0"/>
           </a:p>
@@ -1167,7 +1167,7 @@
           <a:p>
             <a:fld id="{1D8BD707-D9CF-40AE-B4C6-C98DA3205C09}" type="datetimeFigureOut">
               <a:rPr lang="en-US" smtClean="0"/>
-              <a:t>3/7/2023</a:t>
+              <a:t>3/3/2024</a:t>
             </a:fld>
             <a:endParaRPr lang="en-US" dirty="0"/>
           </a:p>
@@ -1197,7 +1197,7 @@
                 <a:cs typeface="Calibri"/>
               </a:rPr>
               <a:pPr marL="25400"/>
-              <a:t>‹Nº›</a:t>
+              <a:t>‹#›</a:t>
             </a:fld>
             <a:endParaRPr lang="es-MX" dirty="0">
               <a:cs typeface="Calibri"/>
@@ -1496,7 +1496,7 @@
             <a:fld id="{D829B6A8-D253-4D4B-A3FA-70749FCD26F0}" type="slidenum">
               <a:rPr lang="es-ES" altLang="es-MX"/>
               <a:pPr/>
-              <a:t>‹Nº›</a:t>
+              <a:t>‹#›</a:t>
             </a:fld>
             <a:endParaRPr lang="es-ES" altLang="es-MX" dirty="0"/>
           </a:p>
@@ -1624,7 +1624,7 @@
           <a:p>
             <a:fld id="{B3F3E716-CACC-4490-AD07-F24B6A68DE47}" type="datetimeFigureOut">
               <a:rPr lang="es-MX" smtClean="0"/>
-              <a:t>07/03/2023</a:t>
+              <a:t>03/03/2024</a:t>
             </a:fld>
             <a:endParaRPr lang="es-MX" dirty="0"/>
           </a:p>
@@ -1666,7 +1666,7 @@
           <a:p>
             <a:fld id="{52A58D3C-5A37-463D-B2C9-8DF65AE0B01C}" type="slidenum">
               <a:rPr lang="es-MX" smtClean="0"/>
-              <a:t>‹Nº›</a:t>
+              <a:t>‹#›</a:t>
             </a:fld>
             <a:endParaRPr lang="es-MX" dirty="0"/>
           </a:p>
@@ -1870,7 +1870,7 @@
           <a:p>
             <a:fld id="{B3F3E716-CACC-4490-AD07-F24B6A68DE47}" type="datetimeFigureOut">
               <a:rPr lang="es-MX" smtClean="0"/>
-              <a:t>07/03/2023</a:t>
+              <a:t>03/03/2024</a:t>
             </a:fld>
             <a:endParaRPr lang="es-MX" dirty="0"/>
           </a:p>
@@ -1912,7 +1912,7 @@
           <a:p>
             <a:fld id="{52A58D3C-5A37-463D-B2C9-8DF65AE0B01C}" type="slidenum">
               <a:rPr lang="es-MX" smtClean="0"/>
-              <a:t>‹Nº›</a:t>
+              <a:t>‹#›</a:t>
             </a:fld>
             <a:endParaRPr lang="es-MX" dirty="0"/>
           </a:p>
@@ -2158,7 +2158,7 @@
           <a:p>
             <a:fld id="{B3F3E716-CACC-4490-AD07-F24B6A68DE47}" type="datetimeFigureOut">
               <a:rPr lang="es-MX" smtClean="0"/>
-              <a:t>07/03/2023</a:t>
+              <a:t>03/03/2024</a:t>
             </a:fld>
             <a:endParaRPr lang="es-MX" dirty="0"/>
           </a:p>
@@ -2200,7 +2200,7 @@
           <a:p>
             <a:fld id="{52A58D3C-5A37-463D-B2C9-8DF65AE0B01C}" type="slidenum">
               <a:rPr lang="es-MX" smtClean="0"/>
-              <a:t>‹Nº›</a:t>
+              <a:t>‹#›</a:t>
             </a:fld>
             <a:endParaRPr lang="es-MX" dirty="0"/>
           </a:p>
@@ -2580,7 +2580,7 @@
           <a:p>
             <a:fld id="{B3F3E716-CACC-4490-AD07-F24B6A68DE47}" type="datetimeFigureOut">
               <a:rPr lang="es-MX" smtClean="0"/>
-              <a:t>07/03/2023</a:t>
+              <a:t>03/03/2024</a:t>
             </a:fld>
             <a:endParaRPr lang="es-MX" dirty="0"/>
           </a:p>
@@ -2622,7 +2622,7 @@
           <a:p>
             <a:fld id="{52A58D3C-5A37-463D-B2C9-8DF65AE0B01C}" type="slidenum">
               <a:rPr lang="es-MX" smtClean="0"/>
-              <a:t>‹Nº›</a:t>
+              <a:t>‹#›</a:t>
             </a:fld>
             <a:endParaRPr lang="es-MX" dirty="0"/>
           </a:p>
@@ -2698,7 +2698,7 @@
           <a:p>
             <a:fld id="{B3F3E716-CACC-4490-AD07-F24B6A68DE47}" type="datetimeFigureOut">
               <a:rPr lang="es-MX" smtClean="0"/>
-              <a:t>07/03/2023</a:t>
+              <a:t>03/03/2024</a:t>
             </a:fld>
             <a:endParaRPr lang="es-MX" dirty="0"/>
           </a:p>
@@ -2740,7 +2740,7 @@
           <a:p>
             <a:fld id="{52A58D3C-5A37-463D-B2C9-8DF65AE0B01C}" type="slidenum">
               <a:rPr lang="es-MX" smtClean="0"/>
-              <a:t>‹Nº›</a:t>
+              <a:t>‹#›</a:t>
             </a:fld>
             <a:endParaRPr lang="es-MX" dirty="0"/>
           </a:p>
@@ -2793,7 +2793,7 @@
           <a:p>
             <a:fld id="{B3F3E716-CACC-4490-AD07-F24B6A68DE47}" type="datetimeFigureOut">
               <a:rPr lang="es-MX" smtClean="0"/>
-              <a:t>07/03/2023</a:t>
+              <a:t>03/03/2024</a:t>
             </a:fld>
             <a:endParaRPr lang="es-MX" dirty="0"/>
           </a:p>
@@ -2835,7 +2835,7 @@
           <a:p>
             <a:fld id="{52A58D3C-5A37-463D-B2C9-8DF65AE0B01C}" type="slidenum">
               <a:rPr lang="es-MX" smtClean="0"/>
-              <a:t>‹Nº›</a:t>
+              <a:t>‹#›</a:t>
             </a:fld>
             <a:endParaRPr lang="es-MX" dirty="0"/>
           </a:p>
@@ -3070,7 +3070,7 @@
           <a:p>
             <a:fld id="{B3F3E716-CACC-4490-AD07-F24B6A68DE47}" type="datetimeFigureOut">
               <a:rPr lang="es-MX" smtClean="0"/>
-              <a:t>07/03/2023</a:t>
+              <a:t>03/03/2024</a:t>
             </a:fld>
             <a:endParaRPr lang="es-MX" dirty="0"/>
           </a:p>
@@ -3112,7 +3112,7 @@
           <a:p>
             <a:fld id="{52A58D3C-5A37-463D-B2C9-8DF65AE0B01C}" type="slidenum">
               <a:rPr lang="es-MX" smtClean="0"/>
-              <a:t>‹Nº›</a:t>
+              <a:t>‹#›</a:t>
             </a:fld>
             <a:endParaRPr lang="es-MX" dirty="0"/>
           </a:p>
@@ -3323,7 +3323,7 @@
           <a:p>
             <a:fld id="{B3F3E716-CACC-4490-AD07-F24B6A68DE47}" type="datetimeFigureOut">
               <a:rPr lang="es-MX" smtClean="0"/>
-              <a:t>07/03/2023</a:t>
+              <a:t>03/03/2024</a:t>
             </a:fld>
             <a:endParaRPr lang="es-MX" dirty="0"/>
           </a:p>
@@ -3365,7 +3365,7 @@
           <a:p>
             <a:fld id="{52A58D3C-5A37-463D-B2C9-8DF65AE0B01C}" type="slidenum">
               <a:rPr lang="es-MX" smtClean="0"/>
-              <a:t>‹Nº›</a:t>
+              <a:t>‹#›</a:t>
             </a:fld>
             <a:endParaRPr lang="es-MX" dirty="0"/>
           </a:p>
@@ -3536,7 +3536,7 @@
           <a:p>
             <a:fld id="{B3F3E716-CACC-4490-AD07-F24B6A68DE47}" type="datetimeFigureOut">
               <a:rPr lang="es-MX" smtClean="0"/>
-              <a:t>07/03/2023</a:t>
+              <a:t>03/03/2024</a:t>
             </a:fld>
             <a:endParaRPr lang="es-MX" dirty="0"/>
           </a:p>
@@ -3614,7 +3614,7 @@
           <a:p>
             <a:fld id="{52A58D3C-5A37-463D-B2C9-8DF65AE0B01C}" type="slidenum">
               <a:rPr lang="es-MX" smtClean="0"/>
-              <a:t>‹Nº›</a:t>
+              <a:t>‹#›</a:t>
             </a:fld>
             <a:endParaRPr lang="es-MX" dirty="0"/>
           </a:p>
